--- a/11-14-17 Final Project_1_presentation.pptx
+++ b/11-14-17 Final Project_1_presentation.pptx
@@ -249,7 +249,7 @@
           <a:p>
             <a:fld id="{16E72753-0FF4-1C4D-9A73-33C1EDB8EFFE}" type="datetimeFigureOut">
               <a:rPr lang="en-US" smtClean="0"/>
-              <a:t>11/14/2017</a:t>
+              <a:t>3/28/2018</a:t>
             </a:fld>
             <a:endParaRPr lang="en-US"/>
           </a:p>
@@ -713,7 +713,7 @@
             <a:fld id="{5586B75A-687E-405C-8A0B-8D00578BA2C3}" type="datetimeFigureOut">
               <a:rPr lang="en-US" smtClean="0"/>
               <a:pPr/>
-              <a:t>11/14/2017</a:t>
+              <a:t>3/28/2018</a:t>
             </a:fld>
             <a:endParaRPr lang="en-US" dirty="0"/>
           </a:p>
@@ -991,7 +991,7 @@
             <a:fld id="{5586B75A-687E-405C-8A0B-8D00578BA2C3}" type="datetimeFigureOut">
               <a:rPr lang="en-US" smtClean="0"/>
               <a:pPr/>
-              <a:t>11/14/2017</a:t>
+              <a:t>3/28/2018</a:t>
             </a:fld>
             <a:endParaRPr lang="en-US" dirty="0"/>
           </a:p>
@@ -1181,7 +1181,7 @@
             <a:fld id="{5586B75A-687E-405C-8A0B-8D00578BA2C3}" type="datetimeFigureOut">
               <a:rPr lang="en-US" smtClean="0"/>
               <a:pPr/>
-              <a:t>11/14/2017</a:t>
+              <a:t>3/28/2018</a:t>
             </a:fld>
             <a:endParaRPr lang="en-US" dirty="0"/>
           </a:p>
@@ -1440,7 +1440,7 @@
             <a:fld id="{5586B75A-687E-405C-8A0B-8D00578BA2C3}" type="datetimeFigureOut">
               <a:rPr lang="en-US" smtClean="0"/>
               <a:pPr/>
-              <a:t>11/14/2017</a:t>
+              <a:t>3/28/2018</a:t>
             </a:fld>
             <a:endParaRPr lang="en-US" dirty="0"/>
           </a:p>
@@ -1864,7 +1864,7 @@
             <a:fld id="{5586B75A-687E-405C-8A0B-8D00578BA2C3}" type="datetimeFigureOut">
               <a:rPr lang="en-US" smtClean="0"/>
               <a:pPr/>
-              <a:t>11/14/2017</a:t>
+              <a:t>3/28/2018</a:t>
             </a:fld>
             <a:endParaRPr lang="en-US" dirty="0"/>
           </a:p>
@@ -2408,7 +2408,7 @@
             <a:fld id="{5586B75A-687E-405C-8A0B-8D00578BA2C3}" type="datetimeFigureOut">
               <a:rPr lang="en-US" smtClean="0"/>
               <a:pPr/>
-              <a:t>11/14/2017</a:t>
+              <a:t>3/28/2018</a:t>
             </a:fld>
             <a:endParaRPr lang="en-US" dirty="0"/>
           </a:p>
@@ -3237,7 +3237,7 @@
             <a:fld id="{5586B75A-687E-405C-8A0B-8D00578BA2C3}" type="datetimeFigureOut">
               <a:rPr lang="en-US" smtClean="0"/>
               <a:pPr/>
-              <a:t>11/14/2017</a:t>
+              <a:t>3/28/2018</a:t>
             </a:fld>
             <a:endParaRPr lang="en-US" dirty="0"/>
           </a:p>
@@ -3405,7 +3405,7 @@
             <a:fld id="{5586B75A-687E-405C-8A0B-8D00578BA2C3}" type="datetimeFigureOut">
               <a:rPr lang="en-US" smtClean="0"/>
               <a:pPr/>
-              <a:t>11/14/2017</a:t>
+              <a:t>3/28/2018</a:t>
             </a:fld>
             <a:endParaRPr lang="en-US" dirty="0"/>
           </a:p>
@@ -3582,7 +3582,7 @@
             <a:fld id="{5586B75A-687E-405C-8A0B-8D00578BA2C3}" type="datetimeFigureOut">
               <a:rPr lang="en-US" smtClean="0"/>
               <a:pPr/>
-              <a:t>11/14/2017</a:t>
+              <a:t>3/28/2018</a:t>
             </a:fld>
             <a:endParaRPr lang="en-US" dirty="0"/>
           </a:p>
@@ -3749,7 +3749,7 @@
             <a:fld id="{5586B75A-687E-405C-8A0B-8D00578BA2C3}" type="datetimeFigureOut">
               <a:rPr lang="en-US" smtClean="0"/>
               <a:pPr/>
-              <a:t>11/14/2017</a:t>
+              <a:t>3/28/2018</a:t>
             </a:fld>
             <a:endParaRPr lang="en-US" dirty="0"/>
           </a:p>
@@ -4003,7 +4003,7 @@
             <a:fld id="{5586B75A-687E-405C-8A0B-8D00578BA2C3}" type="datetimeFigureOut">
               <a:rPr lang="en-US" smtClean="0"/>
               <a:pPr/>
-              <a:t>11/14/2017</a:t>
+              <a:t>3/28/2018</a:t>
             </a:fld>
             <a:endParaRPr lang="en-US" dirty="0"/>
           </a:p>
@@ -4232,7 +4232,7 @@
             <a:fld id="{5586B75A-687E-405C-8A0B-8D00578BA2C3}" type="datetimeFigureOut">
               <a:rPr lang="en-US" smtClean="0"/>
               <a:pPr/>
-              <a:t>11/14/2017</a:t>
+              <a:t>3/28/2018</a:t>
             </a:fld>
             <a:endParaRPr lang="en-US" dirty="0"/>
           </a:p>
@@ -4622,7 +4622,7 @@
             <a:fld id="{5586B75A-687E-405C-8A0B-8D00578BA2C3}" type="datetimeFigureOut">
               <a:rPr lang="en-US" smtClean="0"/>
               <a:pPr/>
-              <a:t>11/14/2017</a:t>
+              <a:t>3/28/2018</a:t>
             </a:fld>
             <a:endParaRPr lang="en-US" dirty="0"/>
           </a:p>
@@ -4737,7 +4737,7 @@
             <a:fld id="{5586B75A-687E-405C-8A0B-8D00578BA2C3}" type="datetimeFigureOut">
               <a:rPr lang="en-US" smtClean="0"/>
               <a:pPr/>
-              <a:t>11/14/2017</a:t>
+              <a:t>3/28/2018</a:t>
             </a:fld>
             <a:endParaRPr lang="en-US" dirty="0"/>
           </a:p>
@@ -4829,7 +4829,7 @@
             <a:fld id="{5586B75A-687E-405C-8A0B-8D00578BA2C3}" type="datetimeFigureOut">
               <a:rPr lang="en-US" smtClean="0"/>
               <a:pPr/>
-              <a:t>11/14/2017</a:t>
+              <a:t>3/28/2018</a:t>
             </a:fld>
             <a:endParaRPr lang="en-US" dirty="0"/>
           </a:p>
@@ -5099,7 +5099,7 @@
             <a:fld id="{5586B75A-687E-405C-8A0B-8D00578BA2C3}" type="datetimeFigureOut">
               <a:rPr lang="en-US" smtClean="0"/>
               <a:pPr/>
-              <a:t>11/14/2017</a:t>
+              <a:t>3/28/2018</a:t>
             </a:fld>
             <a:endParaRPr lang="en-US" dirty="0"/>
           </a:p>
@@ -5377,7 +5377,7 @@
             <a:fld id="{5586B75A-687E-405C-8A0B-8D00578BA2C3}" type="datetimeFigureOut">
               <a:rPr lang="en-US" smtClean="0"/>
               <a:pPr/>
-              <a:t>11/14/2017</a:t>
+              <a:t>3/28/2018</a:t>
             </a:fld>
             <a:endParaRPr lang="en-US" dirty="0"/>
           </a:p>
@@ -5614,7 +5614,7 @@
             <a:fld id="{5586B75A-687E-405C-8A0B-8D00578BA2C3}" type="datetimeFigureOut">
               <a:rPr lang="en-US" smtClean="0"/>
               <a:pPr/>
-              <a:t>11/14/2017</a:t>
+              <a:t>3/28/2018</a:t>
             </a:fld>
             <a:endParaRPr lang="en-US" dirty="0"/>
           </a:p>
@@ -6190,7 +6190,7 @@
         </p:nvSpPr>
         <p:spPr>
           <a:xfrm>
-            <a:off x="1473818" y="2166876"/>
+            <a:off x="1473817" y="525386"/>
             <a:ext cx="9144000" cy="1641490"/>
           </a:xfrm>
         </p:spPr>
@@ -6220,20 +6220,23 @@
         </p:nvSpPr>
         <p:spPr>
           <a:xfrm>
-            <a:off x="1473818" y="3808366"/>
-            <a:ext cx="9144000" cy="754025"/>
+            <a:off x="691414" y="2166876"/>
+            <a:ext cx="11181718" cy="2578562"/>
           </a:xfrm>
         </p:spPr>
         <p:txBody>
           <a:bodyPr>
-            <a:normAutofit fontScale="92500" lnSpcReduction="20000"/>
+            <a:normAutofit fontScale="55000" lnSpcReduction="20000"/>
           </a:bodyPr>
           <a:lstStyle/>
           <a:p>
             <a:r>
-              <a:rPr lang="en-US" dirty="0"/>
-              <a:t>Graphical Analysis of the Expansion of Coverage (2010-2015)  versus Medicare Cost Per Beneficiary et al.</a:t>
-            </a:r>
+              <a:rPr lang="en-US" sz="6700" b="1" dirty="0"/>
+              <a:t>Graphical Analysis of the Expansion of Coverage (2010-2015)  versus Medicare Cost Per Beneficiary et al. and their correlations with Potentially Preventable Deaths Among the Five Leading Causes of Death — United States, 2010 to 2016</a:t>
+            </a:r>
+          </a:p>
+          <a:p>
+            <a:endParaRPr lang="en-US" dirty="0"/>
           </a:p>
         </p:txBody>
       </p:sp>
@@ -6251,8 +6254,8 @@
         </p:nvSpPr>
         <p:spPr>
           <a:xfrm>
-            <a:off x="3626177" y="5080524"/>
-            <a:ext cx="6096092" cy="584775"/>
+            <a:off x="3133807" y="5068543"/>
+            <a:ext cx="6189067" cy="584775"/>
           </a:xfrm>
           <a:prstGeom prst="rect">
             <a:avLst/>
@@ -6265,10 +6268,16 @@
           <a:lstStyle/>
           <a:p>
             <a:r>
+              <a:rPr lang="en-US" sz="3200" b="1" dirty="0" err="1">
+                <a:latin typeface="-apple-system"/>
+              </a:rPr>
+              <a:t>Shuzhen</a:t>
+            </a:r>
+            <a:r>
               <a:rPr lang="en-US" sz="3200" b="1" dirty="0">
                 <a:latin typeface="-apple-system"/>
               </a:rPr>
-              <a:t>Kyle Conniff, Tim Look, Shuzhen Yu</a:t>
+              <a:t> Yu,  Kyle Conniff, Tim Look</a:t>
             </a:r>
             <a:endParaRPr lang="en-US" sz="3200" b="1" i="0" dirty="0">
               <a:effectLst/>
@@ -8568,12 +8577,12 @@
         <p:spPr/>
         <p:txBody>
           <a:bodyPr>
-            <a:normAutofit fontScale="90000"/>
+            <a:normAutofit/>
           </a:bodyPr>
           <a:lstStyle/>
           <a:p>
             <a:r>
-              <a:rPr lang="en-US" dirty="0"/>
+              <a:rPr lang="en-US" sz="3600" dirty="0"/>
               <a:t>The PPACA, Expansion of Coverage and Healthcare Costs</a:t>
             </a:r>
           </a:p>
@@ -10334,7 +10343,7 @@
           <a:lstStyle/>
           <a:p>
             <a:r>
-              <a:rPr lang="en-US" b="1" dirty="0"/>
+              <a:rPr lang="en-US" sz="4000" b="1" dirty="0"/>
               <a:t>1. Medicare Hospital Spending by Claim from Data.gov</a:t>
             </a:r>
             <a:br>
@@ -11068,8 +11077,8 @@
         </p:nvSpPr>
         <p:spPr>
           <a:xfrm>
-            <a:off x="685800" y="1219201"/>
-            <a:ext cx="9525000" cy="5564857"/>
+            <a:off x="685800" y="65650"/>
+            <a:ext cx="9525000" cy="7211269"/>
           </a:xfrm>
           <a:prstGeom prst="rect">
             <a:avLst/>
@@ -11109,7 +11118,7 @@
               <a:buAutoNum type="arabicPeriod"/>
             </a:pPr>
             <a:r>
-              <a:rPr lang="en-US" sz="2000" dirty="0">
+              <a:rPr lang="en-US" sz="2400" dirty="0">
                 <a:latin typeface="Times New Roman" panose="02020603050405020304" pitchFamily="18" charset="0"/>
                 <a:ea typeface="DengXian" panose="02010600030101010101" pitchFamily="2" charset="-122"/>
                 <a:cs typeface="Times New Roman" panose="02020603050405020304" pitchFamily="18" charset="0"/>
@@ -11128,14 +11137,14 @@
               <a:buAutoNum type="arabicPeriod"/>
             </a:pPr>
             <a:r>
-              <a:rPr lang="en-US" sz="2000" dirty="0">
+              <a:rPr lang="en-US" sz="2400" dirty="0">
                 <a:latin typeface="Times New Roman" panose="02020603050405020304" pitchFamily="18" charset="0"/>
                 <a:cs typeface="Times New Roman" panose="02020603050405020304" pitchFamily="18" charset="0"/>
               </a:rPr>
               <a:t>Those states that expanded Medicaid had </a:t>
             </a:r>
             <a:r>
-              <a:rPr lang="en-US" sz="2000" dirty="0">
+              <a:rPr lang="en-US" sz="2400" dirty="0">
                 <a:latin typeface="Times New Roman" panose="02020603050405020304" pitchFamily="18" charset="0"/>
                 <a:ea typeface="DengXian" panose="02010600030101010101" pitchFamily="2" charset="-122"/>
                 <a:cs typeface="Times New Roman" panose="02020603050405020304" pitchFamily="18" charset="0"/>
@@ -11143,28 +11152,28 @@
               <a:t>an average uninsured rate change with a drop of 5.86 percentage points. </a:t>
             </a:r>
             <a:r>
-              <a:rPr lang="en-US" sz="2000" dirty="0">
+              <a:rPr lang="en-US" sz="2400" dirty="0">
                 <a:latin typeface="Times New Roman" panose="02020603050405020304" pitchFamily="18" charset="0"/>
                 <a:cs typeface="Times New Roman" panose="02020603050405020304" pitchFamily="18" charset="0"/>
               </a:rPr>
               <a:t>while those that did </a:t>
             </a:r>
             <a:r>
-              <a:rPr lang="en-US" sz="2000" i="1" dirty="0">
+              <a:rPr lang="en-US" sz="2400" i="1" dirty="0">
                 <a:latin typeface="Times New Roman" panose="02020603050405020304" pitchFamily="18" charset="0"/>
                 <a:cs typeface="Times New Roman" panose="02020603050405020304" pitchFamily="18" charset="0"/>
               </a:rPr>
               <a:t>not</a:t>
             </a:r>
             <a:r>
-              <a:rPr lang="en-US" sz="2000" dirty="0">
+              <a:rPr lang="en-US" sz="2400" dirty="0">
                 <a:latin typeface="Times New Roman" panose="02020603050405020304" pitchFamily="18" charset="0"/>
                 <a:cs typeface="Times New Roman" panose="02020603050405020304" pitchFamily="18" charset="0"/>
               </a:rPr>
               <a:t> expand Medicaid </a:t>
             </a:r>
             <a:r>
-              <a:rPr lang="en-US" sz="2000" dirty="0">
+              <a:rPr lang="en-US" sz="2400" dirty="0">
                 <a:latin typeface="Times New Roman" panose="02020603050405020304" pitchFamily="18" charset="0"/>
                 <a:ea typeface="DengXian" panose="02010600030101010101" pitchFamily="2" charset="-122"/>
                 <a:cs typeface="Times New Roman" panose="02020603050405020304" pitchFamily="18" charset="0"/>
@@ -11183,7 +11192,7 @@
               <a:buAutoNum type="arabicPeriod"/>
             </a:pPr>
             <a:r>
-              <a:rPr lang="en-US" sz="2000" dirty="0">
+              <a:rPr lang="en-US" sz="2400" dirty="0">
                 <a:latin typeface="Times New Roman" panose="02020603050405020304" pitchFamily="18" charset="0"/>
                 <a:cs typeface="Times New Roman" panose="02020603050405020304" pitchFamily="18" charset="0"/>
               </a:rPr>
@@ -11201,7 +11210,7 @@
               <a:buAutoNum type="arabicPeriod"/>
             </a:pPr>
             <a:r>
-              <a:rPr lang="en-US" sz="2000" dirty="0">
+              <a:rPr lang="en-US" sz="2400" dirty="0">
                 <a:latin typeface="Times New Roman" panose="02020603050405020304" pitchFamily="18" charset="0"/>
                 <a:ea typeface="DengXian" panose="02010600030101010101" pitchFamily="2" charset="-122"/>
                 <a:cs typeface="Times New Roman" panose="02020603050405020304" pitchFamily="18" charset="0"/>
@@ -11283,8 +11292,8 @@
         </p:nvSpPr>
         <p:spPr>
           <a:xfrm>
-            <a:off x="1066800" y="2057401"/>
-            <a:ext cx="10134600" cy="3693319"/>
+            <a:off x="658837" y="889782"/>
+            <a:ext cx="10134600" cy="5663089"/>
           </a:xfrm>
           <a:prstGeom prst="rect">
             <a:avLst/>
@@ -11297,7 +11306,7 @@
           <a:lstStyle/>
           <a:p>
             <a:r>
-              <a:rPr lang="en-US" sz="2400" b="1" dirty="0">
+              <a:rPr lang="en-US" sz="3200" b="1" dirty="0">
                 <a:latin typeface="Times New Roman" panose="02020603050405020304" pitchFamily="18" charset="0"/>
                 <a:ea typeface="DengXian" panose="02010600030101010101" pitchFamily="2" charset="-122"/>
                 <a:cs typeface="Adobe Garamond Pro"/>
@@ -11306,7 +11315,7 @@
             </a:r>
           </a:p>
           <a:p>
-            <a:endParaRPr lang="en-US" sz="2400" dirty="0">
+            <a:endParaRPr lang="en-US" sz="3200" dirty="0">
               <a:latin typeface="Times New Roman" panose="02020603050405020304" pitchFamily="18" charset="0"/>
               <a:ea typeface="DengXian" panose="02010600030101010101" pitchFamily="2" charset="-122"/>
               <a:cs typeface="Adobe Garamond Pro"/>
@@ -11314,7 +11323,7 @@
           </a:p>
           <a:p>
             <a:r>
-              <a:rPr lang="en-US" sz="2400" dirty="0"/>
+              <a:rPr lang="en-US" sz="3200" dirty="0"/>
               <a:t>Insurance coverage helps save lives, by encouraging early detection and prevention of dangerous medical conditions.* [ ]  The analysis of state differences in death rates for the five leading causes of death and their correlations with hospital medical spending and health insurance coverage change could assist state and federal health officials in establishing prevention goals, pri­orities, and strategies.</a:t>
             </a:r>
           </a:p>
@@ -11397,7 +11406,7 @@
         <p:spPr>
           <a:xfrm>
             <a:off x="533400" y="762000"/>
-            <a:ext cx="9906000" cy="5961632"/>
+            <a:ext cx="9906000" cy="10085838"/>
           </a:xfrm>
           <a:prstGeom prst="rect">
             <a:avLst/>
@@ -11410,7 +11419,7 @@
           <a:lstStyle/>
           <a:p>
             <a:r>
-              <a:rPr lang="en-US" sz="2000" b="1" dirty="0">
+              <a:rPr lang="en-US" sz="2800" b="1" dirty="0">
                 <a:latin typeface="Times New Roman" panose="02020603050405020304" pitchFamily="18" charset="0"/>
                 <a:ea typeface="DengXian" panose="02010600030101010101" pitchFamily="2" charset="-122"/>
                 <a:cs typeface="Times New Roman" panose="02020603050405020304" pitchFamily="18" charset="0"/>
@@ -11419,7 +11428,7 @@
             </a:r>
           </a:p>
           <a:p>
-            <a:endParaRPr lang="en-US" sz="2000" dirty="0">
+            <a:endParaRPr lang="en-US" sz="2800" dirty="0">
               <a:latin typeface="Times New Roman" panose="02020603050405020304" pitchFamily="18" charset="0"/>
               <a:ea typeface="DengXian" panose="02010600030101010101" pitchFamily="2" charset="-122"/>
               <a:cs typeface="Adobe Garamond Pro"/>
@@ -11427,7 +11436,7 @@
           </a:p>
           <a:p>
             <a:r>
-              <a:rPr lang="en-US" sz="2000" dirty="0">
+              <a:rPr lang="en-US" sz="2800" dirty="0">
                 <a:latin typeface="Times New Roman" panose="02020603050405020304" pitchFamily="18" charset="0"/>
                 <a:ea typeface="DengXian" panose="02010600030101010101" pitchFamily="2" charset="-122"/>
                 <a:cs typeface="Adobe Garamond Pro"/>
@@ -11437,7 +11446,7 @@
           </a:p>
           <a:p>
             <a:r>
-              <a:rPr lang="en-US" sz="2000" dirty="0">
+              <a:rPr lang="en-US" sz="2800" dirty="0">
                 <a:latin typeface="Times New Roman" panose="02020603050405020304" pitchFamily="18" charset="0"/>
                 <a:ea typeface="DengXian" panose="02010600030101010101" pitchFamily="2" charset="-122"/>
                 <a:cs typeface="Adobe Garamond Pro"/>
@@ -11445,13 +11454,13 @@
               <a:t>1.     What contributed the</a:t>
             </a:r>
             <a:r>
-              <a:rPr lang="en-US" sz="2000" dirty="0">
+              <a:rPr lang="en-US" sz="2800" dirty="0">
                 <a:latin typeface="Arial" panose="020B0604020202020204" pitchFamily="34" charset="0"/>
               </a:rPr>
               <a:t> increased coverage of health insurance? An expansion of Medicaid eligibility? or </a:t>
             </a:r>
             <a:r>
-              <a:rPr lang="en-US" sz="2000" dirty="0">
+              <a:rPr lang="en-US" sz="2800" dirty="0">
                 <a:latin typeface="Arial" panose="020B0604020202020204" pitchFamily="34" charset="0"/>
                 <a:ea typeface="DengXian" panose="02010600030101010101" pitchFamily="2" charset="-122"/>
                 <a:cs typeface="Times New Roman" panose="02020603050405020304" pitchFamily="18" charset="0"/>
@@ -11461,14 +11470,14 @@
           </a:p>
           <a:p>
             <a:r>
-              <a:rPr lang="en-US" sz="2000" dirty="0">
+              <a:rPr lang="en-US" sz="2800" dirty="0">
                 <a:latin typeface="Arial" panose="020B0604020202020204" pitchFamily="34" charset="0"/>
                 <a:ea typeface="DengXian" panose="02010600030101010101" pitchFamily="2" charset="-122"/>
                 <a:cs typeface="Times New Roman" panose="02020603050405020304" pitchFamily="18" charset="0"/>
               </a:rPr>
               <a:t> </a:t>
             </a:r>
-            <a:endParaRPr lang="en-US" sz="2000" dirty="0">
+            <a:endParaRPr lang="en-US" sz="2800" dirty="0">
               <a:latin typeface="Times New Roman" panose="02020603050405020304" pitchFamily="18" charset="0"/>
               <a:ea typeface="DengXian" panose="02010600030101010101" pitchFamily="2" charset="-122"/>
               <a:cs typeface="Adobe Garamond Pro"/>
@@ -11476,7 +11485,7 @@
           </a:p>
           <a:p>
             <a:r>
-              <a:rPr lang="en-US" sz="2000" dirty="0">
+              <a:rPr lang="en-US" sz="2800" dirty="0">
                 <a:latin typeface="Times New Roman" panose="02020603050405020304" pitchFamily="18" charset="0"/>
                 <a:ea typeface="DengXian" panose="02010600030101010101" pitchFamily="2" charset="-122"/>
                 <a:cs typeface="Adobe Garamond Pro"/>
@@ -11485,7 +11494,7 @@
             </a:r>
           </a:p>
           <a:p>
-            <a:endParaRPr lang="en-US" sz="2000" dirty="0">
+            <a:endParaRPr lang="en-US" sz="2800" dirty="0">
               <a:latin typeface="Adobe Garamond Pro"/>
               <a:ea typeface="DengXian" panose="02010600030101010101" pitchFamily="2" charset="-122"/>
               <a:cs typeface="Adobe Garamond Pro"/>
@@ -11493,7 +11502,7 @@
           </a:p>
           <a:p>
             <a:r>
-              <a:rPr lang="en-US" sz="2000" dirty="0">
+              <a:rPr lang="en-US" sz="2800" dirty="0">
                 <a:latin typeface="Adobe Garamond Pro"/>
                 <a:ea typeface="DengXian" panose="02010600030101010101" pitchFamily="2" charset="-122"/>
                 <a:cs typeface="Adobe Garamond Pro"/>
@@ -11501,7 +11510,7 @@
               <a:t>3.    </a:t>
             </a:r>
             <a:r>
-              <a:rPr lang="en-US" sz="2000" dirty="0">
+              <a:rPr lang="en-US" sz="2800" dirty="0">
                 <a:latin typeface="Times New Roman" panose="02020603050405020304" pitchFamily="18" charset="0"/>
                 <a:ea typeface="DengXian" panose="02010600030101010101" pitchFamily="2" charset="-122"/>
                 <a:cs typeface="Adobe Garamond Pro"/>
@@ -11513,7 +11522,7 @@
             <a:pPr marL="457200" indent="-457200">
               <a:buAutoNum type="arabicPeriod" startAt="2"/>
             </a:pPr>
-            <a:endParaRPr lang="en-US" sz="2000" dirty="0">
+            <a:endParaRPr lang="en-US" sz="2800" dirty="0">
               <a:latin typeface="Times New Roman" panose="02020603050405020304" pitchFamily="18" charset="0"/>
               <a:ea typeface="DengXian" panose="02010600030101010101" pitchFamily="2" charset="-122"/>
               <a:cs typeface="Adobe Garamond Pro"/>
@@ -11521,7 +11530,7 @@
           </a:p>
           <a:p>
             <a:r>
-              <a:rPr lang="en-US" sz="2000" dirty="0">
+              <a:rPr lang="en-US" sz="2800" dirty="0">
                 <a:latin typeface="Times New Roman" panose="02020603050405020304" pitchFamily="18" charset="0"/>
                 <a:ea typeface="DengXian" panose="02010600030101010101" pitchFamily="2" charset="-122"/>
                 <a:cs typeface="Adobe Garamond Pro"/>
@@ -11862,17 +11871,13 @@
         </p:spPr>
         <p:txBody>
           <a:bodyPr>
-            <a:normAutofit fontScale="90000"/>
+            <a:noAutofit/>
           </a:bodyPr>
           <a:lstStyle/>
           <a:p>
             <a:r>
-              <a:rPr lang="en-US" sz="4000" b="1" dirty="0"/>
-              <a:t>2.</a:t>
-            </a:r>
-            <a:r>
-              <a:rPr lang="en-US" b="1" dirty="0"/>
-              <a:t>Health Insurance Coverage rates before and after the Affordable Care Act from kaggle.com</a:t>
+              <a:rPr lang="en-US" sz="3600" b="1" dirty="0"/>
+              <a:t>2.Health Insurance Coverage rates before and after the Affordable Care Act from kaggle.com</a:t>
             </a:r>
           </a:p>
         </p:txBody>
